--- a/asset/Learn/ITA-base_practice_EN.pptx
+++ b/asset/Learn/ITA-base_practice_EN.pptx
@@ -336,7 +336,7 @@
               <a:rPr kumimoji="1" lang="ja-JP" altLang="en-US" smtClean="0">
                 <a:ea typeface="メイリオ" panose="020B0604030504040204" pitchFamily="50" charset="-128"/>
               </a:rPr>
-              <a:t>2021/2/4</a:t>
+              <a:t>2021/8/20</a:t>
             </a:fld>
             <a:endParaRPr kumimoji="1" lang="ja-JP" altLang="en-US" dirty="0">
               <a:ea typeface="メイリオ" panose="020B0604030504040204" pitchFamily="50" charset="-128"/>
@@ -482,7 +482,7 @@
             <a:fld id="{4B26993D-C081-44EB-B0F5-A9F467792B62}" type="datetimeFigureOut">
               <a:rPr lang="ja-JP" altLang="en-US" smtClean="0"/>
               <a:pPr/>
-              <a:t>2021/2/4</a:t>
+              <a:t>2021/8/20</a:t>
             </a:fld>
             <a:endParaRPr lang="ja-JP" altLang="en-US" dirty="0"/>
           </a:p>
@@ -2744,7 +2744,7 @@
           <a:p>
             <a:fld id="{56F9016B-CCA6-43BE-8BEE-59565A35F4F7}" type="datetimeFigureOut">
               <a:rPr kumimoji="1" lang="ja-JP" altLang="en-US" smtClean="0"/>
-              <a:t>2021/2/4</a:t>
+              <a:t>2021/8/20</a:t>
             </a:fld>
             <a:endParaRPr kumimoji="1" lang="ja-JP" altLang="en-US"/>
           </a:p>
@@ -2946,7 +2946,7 @@
           <a:p>
             <a:fld id="{56F9016B-CCA6-43BE-8BEE-59565A35F4F7}" type="datetimeFigureOut">
               <a:rPr kumimoji="1" lang="ja-JP" altLang="en-US" smtClean="0"/>
-              <a:t>2021/2/4</a:t>
+              <a:t>2021/8/20</a:t>
             </a:fld>
             <a:endParaRPr kumimoji="1" lang="ja-JP" altLang="en-US"/>
           </a:p>
@@ -3192,7 +3192,7 @@
           <a:p>
             <a:fld id="{56F9016B-CCA6-43BE-8BEE-59565A35F4F7}" type="datetimeFigureOut">
               <a:rPr kumimoji="1" lang="ja-JP" altLang="en-US" smtClean="0"/>
-              <a:t>2021/2/4</a:t>
+              <a:t>2021/8/20</a:t>
             </a:fld>
             <a:endParaRPr kumimoji="1" lang="ja-JP" altLang="en-US"/>
           </a:p>
@@ -3488,7 +3488,7 @@
           <a:p>
             <a:fld id="{56F9016B-CCA6-43BE-8BEE-59565A35F4F7}" type="datetimeFigureOut">
               <a:rPr kumimoji="1" lang="ja-JP" altLang="en-US" smtClean="0"/>
-              <a:t>2021/2/4</a:t>
+              <a:t>2021/8/20</a:t>
             </a:fld>
             <a:endParaRPr kumimoji="1" lang="ja-JP" altLang="en-US"/>
           </a:p>
@@ -3919,7 +3919,7 @@
           <a:p>
             <a:fld id="{56F9016B-CCA6-43BE-8BEE-59565A35F4F7}" type="datetimeFigureOut">
               <a:rPr kumimoji="1" lang="ja-JP" altLang="en-US" smtClean="0"/>
-              <a:t>2021/2/4</a:t>
+              <a:t>2021/8/20</a:t>
             </a:fld>
             <a:endParaRPr kumimoji="1" lang="ja-JP" altLang="en-US"/>
           </a:p>
@@ -4037,7 +4037,7 @@
           <a:p>
             <a:fld id="{56F9016B-CCA6-43BE-8BEE-59565A35F4F7}" type="datetimeFigureOut">
               <a:rPr kumimoji="1" lang="ja-JP" altLang="en-US" smtClean="0"/>
-              <a:t>2021/2/4</a:t>
+              <a:t>2021/8/20</a:t>
             </a:fld>
             <a:endParaRPr kumimoji="1" lang="ja-JP" altLang="en-US"/>
           </a:p>
@@ -4132,7 +4132,7 @@
           <a:p>
             <a:fld id="{56F9016B-CCA6-43BE-8BEE-59565A35F4F7}" type="datetimeFigureOut">
               <a:rPr kumimoji="1" lang="ja-JP" altLang="en-US" smtClean="0"/>
-              <a:t>2021/2/4</a:t>
+              <a:t>2021/8/20</a:t>
             </a:fld>
             <a:endParaRPr kumimoji="1" lang="ja-JP" altLang="en-US"/>
           </a:p>
@@ -4441,7 +4441,7 @@
           <a:p>
             <a:fld id="{56F9016B-CCA6-43BE-8BEE-59565A35F4F7}" type="datetimeFigureOut">
               <a:rPr kumimoji="1" lang="ja-JP" altLang="en-US" smtClean="0"/>
-              <a:t>2021/2/4</a:t>
+              <a:t>2021/8/20</a:t>
             </a:fld>
             <a:endParaRPr kumimoji="1" lang="ja-JP" altLang="en-US"/>
           </a:p>
@@ -4694,7 +4694,7 @@
           <a:p>
             <a:fld id="{56F9016B-CCA6-43BE-8BEE-59565A35F4F7}" type="datetimeFigureOut">
               <a:rPr kumimoji="1" lang="ja-JP" altLang="en-US" smtClean="0"/>
-              <a:t>2021/2/4</a:t>
+              <a:t>2021/8/20</a:t>
             </a:fld>
             <a:endParaRPr kumimoji="1" lang="ja-JP" altLang="en-US"/>
           </a:p>
@@ -4971,7 +4971,7 @@
           <a:p>
             <a:fld id="{56F9016B-CCA6-43BE-8BEE-59565A35F4F7}" type="datetimeFigureOut">
               <a:rPr kumimoji="1" lang="ja-JP" altLang="en-US" smtClean="0"/>
-              <a:t>2021/2/4</a:t>
+              <a:t>2021/8/20</a:t>
             </a:fld>
             <a:endParaRPr kumimoji="1" lang="ja-JP" altLang="en-US"/>
           </a:p>
@@ -5183,7 +5183,7 @@
           <a:p>
             <a:fld id="{56F9016B-CCA6-43BE-8BEE-59565A35F4F7}" type="datetimeFigureOut">
               <a:rPr kumimoji="1" lang="ja-JP" altLang="en-US" smtClean="0"/>
-              <a:t>2021/2/4</a:t>
+              <a:t>2021/8/20</a:t>
             </a:fld>
             <a:endParaRPr kumimoji="1" lang="ja-JP" altLang="en-US"/>
           </a:p>
@@ -8242,7 +8242,7 @@
           <a:p>
             <a:fld id="{56F9016B-CCA6-43BE-8BEE-59565A35F4F7}" type="datetimeFigureOut">
               <a:rPr kumimoji="1" lang="ja-JP" altLang="en-US" smtClean="0"/>
-              <a:t>2021/2/4</a:t>
+              <a:t>2021/8/20</a:t>
             </a:fld>
             <a:endParaRPr kumimoji="1" lang="ja-JP" altLang="en-US"/>
           </a:p>
@@ -8675,8 +8675,8 @@
           <a:lstStyle/>
           <a:p>
             <a:r>
-              <a:rPr lang="en-US" altLang="ja-JP" dirty="0" smtClean="0"/>
-              <a:t>Version 1.3</a:t>
+              <a:rPr lang="en-US" altLang="ja-JP" dirty="0"/>
+              <a:t>Exastro IT Automation Version 1.7.2</a:t>
             </a:r>
           </a:p>
           <a:p>
@@ -10258,7 +10258,7 @@
       </p:grpSpPr>
       <p:pic>
         <p:nvPicPr>
-          <p:cNvPr id="5" name="図 4"/>
+          <p:cNvPr id="4" name="図 3"/>
           <p:cNvPicPr>
             <a:picLocks noChangeAspect="1"/>
           </p:cNvPicPr>
@@ -10272,8 +10272,8 @@
         </p:blipFill>
         <p:spPr>
           <a:xfrm>
-            <a:off x="817947" y="2430761"/>
-            <a:ext cx="5619750" cy="3895725"/>
+            <a:off x="817947" y="2158980"/>
+            <a:ext cx="5266263" cy="4196652"/>
           </a:xfrm>
           <a:prstGeom prst="rect">
             <a:avLst/>
@@ -10394,8 +10394,8 @@
         </p:nvSpPr>
         <p:spPr bwMode="auto">
           <a:xfrm>
-            <a:off x="1333048" y="4869201"/>
-            <a:ext cx="2445401" cy="814650"/>
+            <a:off x="1403559" y="4725181"/>
+            <a:ext cx="2016281" cy="936130"/>
           </a:xfrm>
           <a:prstGeom prst="roundRect">
             <a:avLst>
@@ -10438,8 +10438,8 @@
         </p:nvSpPr>
         <p:spPr bwMode="auto">
           <a:xfrm>
-            <a:off x="1966028" y="5974333"/>
-            <a:ext cx="1070814" cy="237661"/>
+            <a:off x="2219138" y="5990421"/>
+            <a:ext cx="1272712" cy="221574"/>
           </a:xfrm>
           <a:prstGeom prst="roundRect">
             <a:avLst>
@@ -10864,13 +10864,13 @@
         </p:nvSpPr>
         <p:spPr bwMode="auto">
           <a:xfrm>
-            <a:off x="3231715" y="5974333"/>
+            <a:off x="3476908" y="5736765"/>
             <a:ext cx="301542" cy="312200"/>
           </a:xfrm>
           <a:prstGeom prst="wedgeEllipseCallout">
             <a:avLst>
-              <a:gd name="adj1" fmla="val -92527"/>
-              <a:gd name="adj2" fmla="val -2494"/>
+              <a:gd name="adj1" fmla="val -99266"/>
+              <a:gd name="adj2" fmla="val 75610"/>
             </a:avLst>
           </a:prstGeom>
           <a:solidFill>
@@ -12840,7 +12840,7 @@
       </p:grpSpPr>
       <p:pic>
         <p:nvPicPr>
-          <p:cNvPr id="6" name="図 5"/>
+          <p:cNvPr id="4" name="図 3"/>
           <p:cNvPicPr>
             <a:picLocks noChangeAspect="1"/>
           </p:cNvPicPr>
@@ -12854,8 +12854,8 @@
         </p:blipFill>
         <p:spPr>
           <a:xfrm>
-            <a:off x="484462" y="1904810"/>
-            <a:ext cx="6467475" cy="4419600"/>
+            <a:off x="468663" y="2004584"/>
+            <a:ext cx="6323430" cy="3280732"/>
           </a:xfrm>
           <a:prstGeom prst="rect">
             <a:avLst/>
@@ -13913,7 +13913,7 @@
       </p:grpSpPr>
       <p:pic>
         <p:nvPicPr>
-          <p:cNvPr id="4" name="図 3"/>
+          <p:cNvPr id="5" name="図 4"/>
           <p:cNvPicPr>
             <a:picLocks noChangeAspect="1"/>
           </p:cNvPicPr>
@@ -13927,8 +13927,8 @@
         </p:blipFill>
         <p:spPr>
           <a:xfrm>
-            <a:off x="350833" y="2053298"/>
-            <a:ext cx="6543675" cy="4419600"/>
+            <a:off x="422603" y="2074777"/>
+            <a:ext cx="6624642" cy="4234623"/>
           </a:xfrm>
           <a:prstGeom prst="rect">
             <a:avLst/>
@@ -14011,8 +14011,8 @@
         </p:nvSpPr>
         <p:spPr bwMode="auto">
           <a:xfrm>
-            <a:off x="515456" y="3070842"/>
-            <a:ext cx="744083" cy="286148"/>
+            <a:off x="515456" y="3000764"/>
+            <a:ext cx="1104134" cy="572256"/>
           </a:xfrm>
           <a:prstGeom prst="roundRect">
             <a:avLst>
@@ -14055,8 +14055,8 @@
         </p:nvSpPr>
         <p:spPr bwMode="auto">
           <a:xfrm>
-            <a:off x="395420" y="4424856"/>
-            <a:ext cx="936130" cy="300324"/>
+            <a:off x="422603" y="4499006"/>
+            <a:ext cx="908947" cy="226174"/>
           </a:xfrm>
           <a:prstGeom prst="roundRect">
             <a:avLst>
@@ -14099,8 +14099,8 @@
         </p:nvSpPr>
         <p:spPr bwMode="auto">
           <a:xfrm>
-            <a:off x="515457" y="5420822"/>
-            <a:ext cx="1752223" cy="888578"/>
+            <a:off x="422603" y="5012455"/>
+            <a:ext cx="1845077" cy="1296945"/>
           </a:xfrm>
           <a:prstGeom prst="roundRect">
             <a:avLst>
@@ -40320,7 +40320,7 @@
       </p:grpSpPr>
       <p:pic>
         <p:nvPicPr>
-          <p:cNvPr id="5" name="図 4"/>
+          <p:cNvPr id="18" name="図 17"/>
           <p:cNvPicPr>
             <a:picLocks noChangeAspect="1"/>
           </p:cNvPicPr>
@@ -40334,8 +40334,8 @@
         </p:blipFill>
         <p:spPr>
           <a:xfrm>
-            <a:off x="772044" y="2527793"/>
-            <a:ext cx="5791200" cy="3048000"/>
+            <a:off x="611450" y="2443274"/>
+            <a:ext cx="8601560" cy="3290045"/>
           </a:xfrm>
           <a:prstGeom prst="rect">
             <a:avLst/>
@@ -40444,7 +40444,7 @@
         </p:nvSpPr>
         <p:spPr bwMode="auto">
           <a:xfrm>
-            <a:off x="1784625" y="5344315"/>
+            <a:off x="1757948" y="5438317"/>
             <a:ext cx="1044000" cy="216000"/>
           </a:xfrm>
           <a:prstGeom prst="roundRect">
@@ -40488,7 +40488,7 @@
         </p:nvSpPr>
         <p:spPr bwMode="auto">
           <a:xfrm>
-            <a:off x="2949408" y="5343285"/>
+            <a:off x="2922731" y="5437287"/>
             <a:ext cx="301542" cy="312200"/>
           </a:xfrm>
           <a:prstGeom prst="wedgeEllipseCallout">
@@ -40596,8 +40596,8 @@
         </p:nvSpPr>
         <p:spPr bwMode="auto">
           <a:xfrm>
-            <a:off x="1170560" y="4479397"/>
-            <a:ext cx="2518276" cy="647200"/>
+            <a:off x="1086685" y="4424856"/>
+            <a:ext cx="2650794" cy="745425"/>
           </a:xfrm>
           <a:prstGeom prst="roundRect">
             <a:avLst>
@@ -40640,7 +40640,7 @@
         </p:nvSpPr>
         <p:spPr bwMode="auto">
           <a:xfrm>
-            <a:off x="3737479" y="4255447"/>
+            <a:off x="3792714" y="4053701"/>
             <a:ext cx="301542" cy="312200"/>
           </a:xfrm>
           <a:prstGeom prst="wedgeEllipseCallout">
@@ -42020,7 +42020,7 @@
       </p:grpSpPr>
       <p:pic>
         <p:nvPicPr>
-          <p:cNvPr id="3" name="図 2"/>
+          <p:cNvPr id="4" name="図 3"/>
           <p:cNvPicPr>
             <a:picLocks noChangeAspect="1"/>
           </p:cNvPicPr>
@@ -42034,8 +42034,8 @@
         </p:blipFill>
         <p:spPr>
           <a:xfrm>
-            <a:off x="823486" y="2570389"/>
-            <a:ext cx="5764935" cy="3724242"/>
+            <a:off x="218293" y="2370726"/>
+            <a:ext cx="7468467" cy="3914122"/>
           </a:xfrm>
           <a:prstGeom prst="rect">
             <a:avLst/>
@@ -42144,8 +42144,8 @@
         </p:nvSpPr>
         <p:spPr bwMode="auto">
           <a:xfrm>
-            <a:off x="1354221" y="5015953"/>
-            <a:ext cx="747126" cy="645444"/>
+            <a:off x="817436" y="4641332"/>
+            <a:ext cx="874163" cy="803948"/>
           </a:xfrm>
           <a:prstGeom prst="roundRect">
             <a:avLst>
@@ -42188,8 +42188,8 @@
         </p:nvSpPr>
         <p:spPr bwMode="auto">
           <a:xfrm>
-            <a:off x="2059185" y="5936599"/>
-            <a:ext cx="1216635" cy="288000"/>
+            <a:off x="1619590" y="5747689"/>
+            <a:ext cx="1286020" cy="300873"/>
           </a:xfrm>
           <a:prstGeom prst="roundRect">
             <a:avLst>
@@ -42232,7 +42232,7 @@
         </p:nvSpPr>
         <p:spPr bwMode="auto">
           <a:xfrm>
-            <a:off x="3589218" y="5972648"/>
+            <a:off x="3055414" y="5736362"/>
             <a:ext cx="301542" cy="312200"/>
           </a:xfrm>
           <a:prstGeom prst="wedgeEllipseCallout">
@@ -42291,7 +42291,7 @@
         </p:nvSpPr>
         <p:spPr bwMode="auto">
           <a:xfrm>
-            <a:off x="2697315" y="4725480"/>
+            <a:off x="2767424" y="4038916"/>
             <a:ext cx="2664000" cy="1122593"/>
           </a:xfrm>
           <a:prstGeom prst="roundRect">
@@ -42341,13 +42341,13 @@
           <p:nvPr>
             <p:extLst>
               <p:ext uri="{D42A27DB-BD31-4B8C-83A1-F6EECF244321}">
-                <p14:modId xmlns:p14="http://schemas.microsoft.com/office/powerpoint/2010/main" val="2050522063"/>
+                <p14:modId xmlns:p14="http://schemas.microsoft.com/office/powerpoint/2010/main" val="892590030"/>
               </p:ext>
             </p:extLst>
           </p:nvPr>
         </p:nvGraphicFramePr>
         <p:xfrm>
-          <a:off x="2981480" y="5079775"/>
+          <a:off x="3045774" y="4337993"/>
           <a:ext cx="2145348" cy="731520"/>
         </p:xfrm>
         <a:graphic>
@@ -42738,7 +42738,7 @@
         </p:nvSpPr>
         <p:spPr bwMode="auto">
           <a:xfrm>
-            <a:off x="2664698" y="4703753"/>
+            <a:off x="2208560" y="4419308"/>
             <a:ext cx="301542" cy="312200"/>
           </a:xfrm>
           <a:prstGeom prst="wedgeEllipseCallout">
